--- a/Segunda Previa/Perceptrón - Logica Difusa.pptx
+++ b/Segunda Previa/Perceptrón - Logica Difusa.pptx
@@ -5339,7 +5339,7 @@
             <a:pPr algn="r"/>
             <a:r>
               <a:rPr lang="es-ES" sz="2000" dirty="0"/>
-              <a:t>Mauricio Bueno – Computación Blanda</a:t>
+              <a:t>Computación Blanda</a:t>
             </a:r>
             <a:endParaRPr lang="es-CO" sz="2000" dirty="0"/>
           </a:p>
